--- a/NoSQL Exploration.pptx
+++ b/NoSQL Exploration.pptx
@@ -12,6 +12,10 @@
     <p:sldId id="260" r:id="rId6"/>
     <p:sldId id="261" r:id="rId7"/>
     <p:sldId id="262" r:id="rId8"/>
+    <p:sldId id="263" r:id="rId9"/>
+    <p:sldId id="264" r:id="rId10"/>
+    <p:sldId id="265" r:id="rId11"/>
+    <p:sldId id="266" r:id="rId12"/>
   </p:sldIdLst>
   <p:sldSz cx="9144000" cy="6858000" type="screen4x3"/>
   <p:notesSz cx="6858000" cy="9144000"/>
@@ -294,7 +298,7 @@
           <a:p>
             <a:fld id="{470B0BEC-5939-44C8-87F4-92780B8139F4}" type="datetimeFigureOut">
               <a:rPr lang="en-US" smtClean="0"/>
-              <a:t>12/4/2013</a:t>
+              <a:t>12/4/13</a:t>
             </a:fld>
             <a:endParaRPr lang="en-US"/>
           </a:p>
@@ -464,7 +468,7 @@
           <a:p>
             <a:fld id="{470B0BEC-5939-44C8-87F4-92780B8139F4}" type="datetimeFigureOut">
               <a:rPr lang="en-US" smtClean="0"/>
-              <a:t>12/4/2013</a:t>
+              <a:t>12/4/13</a:t>
             </a:fld>
             <a:endParaRPr lang="en-US"/>
           </a:p>
@@ -644,7 +648,7 @@
           <a:p>
             <a:fld id="{470B0BEC-5939-44C8-87F4-92780B8139F4}" type="datetimeFigureOut">
               <a:rPr lang="en-US" smtClean="0"/>
-              <a:t>12/4/2013</a:t>
+              <a:t>12/4/13</a:t>
             </a:fld>
             <a:endParaRPr lang="en-US"/>
           </a:p>
@@ -814,7 +818,7 @@
           <a:p>
             <a:fld id="{470B0BEC-5939-44C8-87F4-92780B8139F4}" type="datetimeFigureOut">
               <a:rPr lang="en-US" smtClean="0"/>
-              <a:t>12/4/2013</a:t>
+              <a:t>12/4/13</a:t>
             </a:fld>
             <a:endParaRPr lang="en-US"/>
           </a:p>
@@ -1060,7 +1064,7 @@
           <a:p>
             <a:fld id="{470B0BEC-5939-44C8-87F4-92780B8139F4}" type="datetimeFigureOut">
               <a:rPr lang="en-US" smtClean="0"/>
-              <a:t>12/4/2013</a:t>
+              <a:t>12/4/13</a:t>
             </a:fld>
             <a:endParaRPr lang="en-US"/>
           </a:p>
@@ -1348,7 +1352,7 @@
           <a:p>
             <a:fld id="{470B0BEC-5939-44C8-87F4-92780B8139F4}" type="datetimeFigureOut">
               <a:rPr lang="en-US" smtClean="0"/>
-              <a:t>12/4/2013</a:t>
+              <a:t>12/4/13</a:t>
             </a:fld>
             <a:endParaRPr lang="en-US"/>
           </a:p>
@@ -1770,7 +1774,7 @@
           <a:p>
             <a:fld id="{470B0BEC-5939-44C8-87F4-92780B8139F4}" type="datetimeFigureOut">
               <a:rPr lang="en-US" smtClean="0"/>
-              <a:t>12/4/2013</a:t>
+              <a:t>12/4/13</a:t>
             </a:fld>
             <a:endParaRPr lang="en-US"/>
           </a:p>
@@ -1888,7 +1892,7 @@
           <a:p>
             <a:fld id="{470B0BEC-5939-44C8-87F4-92780B8139F4}" type="datetimeFigureOut">
               <a:rPr lang="en-US" smtClean="0"/>
-              <a:t>12/4/2013</a:t>
+              <a:t>12/4/13</a:t>
             </a:fld>
             <a:endParaRPr lang="en-US"/>
           </a:p>
@@ -1983,7 +1987,7 @@
           <a:p>
             <a:fld id="{470B0BEC-5939-44C8-87F4-92780B8139F4}" type="datetimeFigureOut">
               <a:rPr lang="en-US" smtClean="0"/>
-              <a:t>12/4/2013</a:t>
+              <a:t>12/4/13</a:t>
             </a:fld>
             <a:endParaRPr lang="en-US"/>
           </a:p>
@@ -2260,7 +2264,7 @@
           <a:p>
             <a:fld id="{470B0BEC-5939-44C8-87F4-92780B8139F4}" type="datetimeFigureOut">
               <a:rPr lang="en-US" smtClean="0"/>
-              <a:t>12/4/2013</a:t>
+              <a:t>12/4/13</a:t>
             </a:fld>
             <a:endParaRPr lang="en-US"/>
           </a:p>
@@ -2513,7 +2517,7 @@
           <a:p>
             <a:fld id="{470B0BEC-5939-44C8-87F4-92780B8139F4}" type="datetimeFigureOut">
               <a:rPr lang="en-US" smtClean="0"/>
-              <a:t>12/4/2013</a:t>
+              <a:t>12/4/13</a:t>
             </a:fld>
             <a:endParaRPr lang="en-US"/>
           </a:p>
@@ -2726,7 +2730,7 @@
           <a:p>
             <a:fld id="{470B0BEC-5939-44C8-87F4-92780B8139F4}" type="datetimeFigureOut">
               <a:rPr lang="en-US" smtClean="0"/>
-              <a:t>12/4/2013</a:t>
+              <a:t>12/4/13</a:t>
             </a:fld>
             <a:endParaRPr lang="en-US"/>
           </a:p>
@@ -3190,10 +3194,166 @@
   <p:timing>
     <p:tnLst>
       <p:par>
-        <p:cTn id="1" dur="indefinite" restart="never" nodeType="tmRoot"/>
+        <p:cTn xmlns:p14="http://schemas.microsoft.com/office/powerpoint/2010/main" id="1" dur="indefinite" restart="never" nodeType="tmRoot"/>
       </p:par>
     </p:tnLst>
   </p:timing>
+</p:sld>
+</file>
+
+<file path=ppt/slides/slide10.xml><?xml version="1.0" encoding="utf-8"?>
+<p:sld xmlns:a="http://schemas.openxmlformats.org/drawingml/2006/main" xmlns:r="http://schemas.openxmlformats.org/officeDocument/2006/relationships" xmlns:p="http://schemas.openxmlformats.org/presentationml/2006/main">
+  <p:cSld>
+    <p:spTree>
+      <p:nvGrpSpPr>
+        <p:cNvPr id="1" name=""/>
+        <p:cNvGrpSpPr/>
+        <p:nvPr/>
+      </p:nvGrpSpPr>
+      <p:grpSpPr>
+        <a:xfrm>
+          <a:off x="0" y="0"/>
+          <a:ext cx="0" cy="0"/>
+          <a:chOff x="0" y="0"/>
+          <a:chExt cx="0" cy="0"/>
+        </a:xfrm>
+      </p:grpSpPr>
+      <p:sp>
+        <p:nvSpPr>
+          <p:cNvPr id="2" name="Title 1"/>
+          <p:cNvSpPr>
+            <a:spLocks noGrp="1"/>
+          </p:cNvSpPr>
+          <p:nvPr>
+            <p:ph type="title"/>
+          </p:nvPr>
+        </p:nvSpPr>
+        <p:spPr/>
+        <p:txBody>
+          <a:bodyPr/>
+          <a:lstStyle/>
+          <a:p>
+            <a:r>
+              <a:rPr lang="en-US" dirty="0" smtClean="0"/>
+              <a:t>Open Issues</a:t>
+            </a:r>
+            <a:endParaRPr lang="en-US" dirty="0"/>
+          </a:p>
+        </p:txBody>
+      </p:sp>
+      <p:pic>
+        <p:nvPicPr>
+          <p:cNvPr id="4" name="Content Placeholder 3" descr="Screen Shot 2013-12-04 at 12.54.44 PM.png"/>
+          <p:cNvPicPr>
+            <a:picLocks noGrp="1" noChangeAspect="1"/>
+          </p:cNvPicPr>
+          <p:nvPr>
+            <p:ph idx="1"/>
+          </p:nvPr>
+        </p:nvPicPr>
+        <p:blipFill>
+          <a:blip r:embed="rId2">
+            <a:extLst>
+              <a:ext uri="{28A0092B-C50C-407E-A947-70E740481C1C}">
+                <a14:useLocalDpi xmlns:a14="http://schemas.microsoft.com/office/drawing/2010/main" val="0"/>
+              </a:ext>
+            </a:extLst>
+          </a:blip>
+          <a:srcRect l="1000" r="1000"/>
+          <a:stretch>
+            <a:fillRect/>
+          </a:stretch>
+        </p:blipFill>
+        <p:spPr/>
+      </p:pic>
+    </p:spTree>
+    <p:extLst>
+      <p:ext uri="{BB962C8B-B14F-4D97-AF65-F5344CB8AC3E}">
+        <p14:creationId xmlns:p14="http://schemas.microsoft.com/office/powerpoint/2010/main" val="1288691933"/>
+      </p:ext>
+    </p:extLst>
+  </p:cSld>
+  <p:clrMapOvr>
+    <a:masterClrMapping/>
+  </p:clrMapOvr>
+</p:sld>
+</file>
+
+<file path=ppt/slides/slide11.xml><?xml version="1.0" encoding="utf-8"?>
+<p:sld xmlns:a="http://schemas.openxmlformats.org/drawingml/2006/main" xmlns:r="http://schemas.openxmlformats.org/officeDocument/2006/relationships" xmlns:p="http://schemas.openxmlformats.org/presentationml/2006/main">
+  <p:cSld>
+    <p:spTree>
+      <p:nvGrpSpPr>
+        <p:cNvPr id="1" name=""/>
+        <p:cNvGrpSpPr/>
+        <p:nvPr/>
+      </p:nvGrpSpPr>
+      <p:grpSpPr>
+        <a:xfrm>
+          <a:off x="0" y="0"/>
+          <a:ext cx="0" cy="0"/>
+          <a:chOff x="0" y="0"/>
+          <a:chExt cx="0" cy="0"/>
+        </a:xfrm>
+      </p:grpSpPr>
+      <p:sp>
+        <p:nvSpPr>
+          <p:cNvPr id="2" name="Title 1"/>
+          <p:cNvSpPr>
+            <a:spLocks noGrp="1"/>
+          </p:cNvSpPr>
+          <p:nvPr>
+            <p:ph type="title"/>
+          </p:nvPr>
+        </p:nvSpPr>
+        <p:spPr/>
+        <p:txBody>
+          <a:bodyPr/>
+          <a:lstStyle/>
+          <a:p>
+            <a:r>
+              <a:rPr lang="en-US" dirty="0" smtClean="0"/>
+              <a:t>Open Closed Issues</a:t>
+            </a:r>
+            <a:endParaRPr lang="en-US" dirty="0"/>
+          </a:p>
+        </p:txBody>
+      </p:sp>
+      <p:pic>
+        <p:nvPicPr>
+          <p:cNvPr id="4" name="Content Placeholder 3" descr="Screen Shot 2013-12-04 at 12.55.17 PM.png"/>
+          <p:cNvPicPr>
+            <a:picLocks noGrp="1" noChangeAspect="1"/>
+          </p:cNvPicPr>
+          <p:nvPr>
+            <p:ph idx="1"/>
+          </p:nvPr>
+        </p:nvPicPr>
+        <p:blipFill>
+          <a:blip r:embed="rId2">
+            <a:extLst>
+              <a:ext uri="{28A0092B-C50C-407E-A947-70E740481C1C}">
+                <a14:useLocalDpi xmlns:a14="http://schemas.microsoft.com/office/drawing/2010/main" val="0"/>
+              </a:ext>
+            </a:extLst>
+          </a:blip>
+          <a:srcRect t="-15837" b="-15837"/>
+          <a:stretch>
+            <a:fillRect/>
+          </a:stretch>
+        </p:blipFill>
+        <p:spPr/>
+      </p:pic>
+    </p:spTree>
+    <p:extLst>
+      <p:ext uri="{BB962C8B-B14F-4D97-AF65-F5344CB8AC3E}">
+        <p14:creationId xmlns:p14="http://schemas.microsoft.com/office/powerpoint/2010/main" val="3208974858"/>
+      </p:ext>
+    </p:extLst>
+  </p:cSld>
+  <p:clrMapOvr>
+    <a:masterClrMapping/>
+  </p:clrMapOvr>
 </p:sld>
 </file>
 
@@ -3328,7 +3488,7 @@
   <p:timing>
     <p:tnLst>
       <p:par>
-        <p:cTn id="1" dur="indefinite" restart="never" nodeType="tmRoot"/>
+        <p:cTn xmlns:p14="http://schemas.microsoft.com/office/powerpoint/2010/main" id="1" dur="indefinite" restart="never" nodeType="tmRoot"/>
       </p:par>
     </p:tnLst>
   </p:timing>
@@ -3469,7 +3629,7 @@
   <p:timing>
     <p:tnLst>
       <p:par>
-        <p:cTn id="1" dur="indefinite" restart="never" nodeType="tmRoot"/>
+        <p:cTn xmlns:p14="http://schemas.microsoft.com/office/powerpoint/2010/main" id="1" dur="indefinite" restart="never" nodeType="tmRoot"/>
       </p:par>
     </p:tnLst>
   </p:timing>
@@ -3591,7 +3751,7 @@
   <p:timing>
     <p:tnLst>
       <p:par>
-        <p:cTn id="1" dur="indefinite" restart="never" nodeType="tmRoot"/>
+        <p:cTn xmlns:p14="http://schemas.microsoft.com/office/powerpoint/2010/main" id="1" dur="indefinite" restart="never" nodeType="tmRoot"/>
       </p:par>
     </p:tnLst>
   </p:timing>
@@ -3692,7 +3852,7 @@
   <p:timing>
     <p:tnLst>
       <p:par>
-        <p:cTn id="1" dur="indefinite" restart="never" nodeType="tmRoot"/>
+        <p:cTn xmlns:p14="http://schemas.microsoft.com/office/powerpoint/2010/main" id="1" dur="indefinite" restart="never" nodeType="tmRoot"/>
       </p:par>
     </p:tnLst>
   </p:timing>
@@ -3805,7 +3965,7 @@
   <p:timing>
     <p:tnLst>
       <p:par>
-        <p:cTn id="1" dur="indefinite" restart="never" nodeType="tmRoot"/>
+        <p:cTn xmlns:p14="http://schemas.microsoft.com/office/powerpoint/2010/main" id="1" dur="indefinite" restart="never" nodeType="tmRoot"/>
       </p:par>
     </p:tnLst>
   </p:timing>
@@ -3888,10 +4048,214 @@
   <p:timing>
     <p:tnLst>
       <p:par>
-        <p:cTn id="1" dur="indefinite" restart="never" nodeType="tmRoot"/>
+        <p:cTn xmlns:p14="http://schemas.microsoft.com/office/powerpoint/2010/main" id="1" dur="indefinite" restart="never" nodeType="tmRoot"/>
       </p:par>
     </p:tnLst>
   </p:timing>
+</p:sld>
+</file>
+
+<file path=ppt/slides/slide8.xml><?xml version="1.0" encoding="utf-8"?>
+<p:sld xmlns:a="http://schemas.openxmlformats.org/drawingml/2006/main" xmlns:r="http://schemas.openxmlformats.org/officeDocument/2006/relationships" xmlns:p="http://schemas.openxmlformats.org/presentationml/2006/main">
+  <p:cSld>
+    <p:spTree>
+      <p:nvGrpSpPr>
+        <p:cNvPr id="1" name=""/>
+        <p:cNvGrpSpPr/>
+        <p:nvPr/>
+      </p:nvGrpSpPr>
+      <p:grpSpPr>
+        <a:xfrm>
+          <a:off x="0" y="0"/>
+          <a:ext cx="0" cy="0"/>
+          <a:chOff x="0" y="0"/>
+          <a:chExt cx="0" cy="0"/>
+        </a:xfrm>
+      </p:grpSpPr>
+      <p:sp>
+        <p:nvSpPr>
+          <p:cNvPr id="2" name="Title 1"/>
+          <p:cNvSpPr>
+            <a:spLocks noGrp="1"/>
+          </p:cNvSpPr>
+          <p:nvPr>
+            <p:ph type="title"/>
+          </p:nvPr>
+        </p:nvSpPr>
+        <p:spPr/>
+        <p:txBody>
+          <a:bodyPr/>
+          <a:lstStyle/>
+          <a:p>
+            <a:r>
+              <a:rPr lang="en-US" dirty="0" err="1" smtClean="0"/>
+              <a:t>GitHub</a:t>
+            </a:r>
+            <a:r>
+              <a:rPr lang="en-US" dirty="0" smtClean="0"/>
+              <a:t> Top Ten repositories</a:t>
+            </a:r>
+            <a:endParaRPr lang="en-US" dirty="0"/>
+          </a:p>
+        </p:txBody>
+      </p:sp>
+      <p:sp>
+        <p:nvSpPr>
+          <p:cNvPr id="3" name="Content Placeholder 2"/>
+          <p:cNvSpPr>
+            <a:spLocks noGrp="1"/>
+          </p:cNvSpPr>
+          <p:nvPr>
+            <p:ph idx="1"/>
+          </p:nvPr>
+        </p:nvSpPr>
+        <p:spPr/>
+        <p:txBody>
+          <a:bodyPr/>
+          <a:lstStyle/>
+          <a:p>
+            <a:r>
+              <a:rPr lang="en-US" dirty="0" smtClean="0"/>
+              <a:t>Analyzed full one year data to find open and closed issues</a:t>
+            </a:r>
+          </a:p>
+          <a:p>
+            <a:r>
+              <a:rPr lang="en-US" dirty="0" smtClean="0"/>
+              <a:t>Data Set Publishing Language (DSPL) format used for generating graphs on </a:t>
+            </a:r>
+            <a:r>
+              <a:rPr lang="en-US" dirty="0" err="1" smtClean="0"/>
+              <a:t>google.com</a:t>
+            </a:r>
+            <a:endParaRPr lang="en-US" dirty="0" smtClean="0"/>
+          </a:p>
+          <a:p>
+            <a:pPr lvl="1"/>
+            <a:r>
+              <a:rPr lang="en-US" dirty="0"/>
+              <a:t>http://</a:t>
+            </a:r>
+            <a:r>
+              <a:rPr lang="en-US" dirty="0" err="1"/>
+              <a:t>www.google.com</a:t>
+            </a:r>
+            <a:r>
+              <a:rPr lang="en-US" dirty="0"/>
+              <a:t>/</a:t>
+            </a:r>
+            <a:r>
+              <a:rPr lang="en-US" dirty="0" err="1"/>
+              <a:t>publicdata</a:t>
+            </a:r>
+            <a:r>
+              <a:rPr lang="en-US" dirty="0"/>
+              <a:t>/directory</a:t>
+            </a:r>
+          </a:p>
+          <a:p>
+            <a:pPr lvl="1"/>
+            <a:endParaRPr lang="en-US" dirty="0" smtClean="0"/>
+          </a:p>
+          <a:p>
+            <a:r>
+              <a:rPr lang="en-US" dirty="0" smtClean="0"/>
+              <a:t>Here are the findings:</a:t>
+            </a:r>
+          </a:p>
+          <a:p>
+            <a:endParaRPr lang="en-US" dirty="0"/>
+          </a:p>
+        </p:txBody>
+      </p:sp>
+    </p:spTree>
+    <p:extLst>
+      <p:ext uri="{BB962C8B-B14F-4D97-AF65-F5344CB8AC3E}">
+        <p14:creationId xmlns:p14="http://schemas.microsoft.com/office/powerpoint/2010/main" val="258075479"/>
+      </p:ext>
+    </p:extLst>
+  </p:cSld>
+  <p:clrMapOvr>
+    <a:masterClrMapping/>
+  </p:clrMapOvr>
+</p:sld>
+</file>
+
+<file path=ppt/slides/slide9.xml><?xml version="1.0" encoding="utf-8"?>
+<p:sld xmlns:a="http://schemas.openxmlformats.org/drawingml/2006/main" xmlns:r="http://schemas.openxmlformats.org/officeDocument/2006/relationships" xmlns:p="http://schemas.openxmlformats.org/presentationml/2006/main">
+  <p:cSld>
+    <p:spTree>
+      <p:nvGrpSpPr>
+        <p:cNvPr id="1" name=""/>
+        <p:cNvGrpSpPr/>
+        <p:nvPr/>
+      </p:nvGrpSpPr>
+      <p:grpSpPr>
+        <a:xfrm>
+          <a:off x="0" y="0"/>
+          <a:ext cx="0" cy="0"/>
+          <a:chOff x="0" y="0"/>
+          <a:chExt cx="0" cy="0"/>
+        </a:xfrm>
+      </p:grpSpPr>
+      <p:sp>
+        <p:nvSpPr>
+          <p:cNvPr id="2" name="Title 1"/>
+          <p:cNvSpPr>
+            <a:spLocks noGrp="1"/>
+          </p:cNvSpPr>
+          <p:nvPr>
+            <p:ph type="title"/>
+          </p:nvPr>
+        </p:nvSpPr>
+        <p:spPr/>
+        <p:txBody>
+          <a:bodyPr/>
+          <a:lstStyle/>
+          <a:p>
+            <a:r>
+              <a:rPr lang="en-US" dirty="0" smtClean="0"/>
+              <a:t>Closed Issues</a:t>
+            </a:r>
+            <a:endParaRPr lang="en-US" dirty="0"/>
+          </a:p>
+        </p:txBody>
+      </p:sp>
+      <p:pic>
+        <p:nvPicPr>
+          <p:cNvPr id="4" name="Content Placeholder 3" descr="Screen Shot 2013-12-04 at 12.54.30 PM.png"/>
+          <p:cNvPicPr>
+            <a:picLocks noGrp="1" noChangeAspect="1"/>
+          </p:cNvPicPr>
+          <p:nvPr>
+            <p:ph idx="1"/>
+          </p:nvPr>
+        </p:nvPicPr>
+        <p:blipFill>
+          <a:blip r:embed="rId2">
+            <a:extLst>
+              <a:ext uri="{28A0092B-C50C-407E-A947-70E740481C1C}">
+                <a14:useLocalDpi xmlns:a14="http://schemas.microsoft.com/office/drawing/2010/main" val="0"/>
+              </a:ext>
+            </a:extLst>
+          </a:blip>
+          <a:srcRect l="643" r="643"/>
+          <a:stretch>
+            <a:fillRect/>
+          </a:stretch>
+        </p:blipFill>
+        <p:spPr/>
+      </p:pic>
+    </p:spTree>
+    <p:extLst>
+      <p:ext uri="{BB962C8B-B14F-4D97-AF65-F5344CB8AC3E}">
+        <p14:creationId xmlns:p14="http://schemas.microsoft.com/office/powerpoint/2010/main" val="1350935544"/>
+      </p:ext>
+    </p:extLst>
+  </p:cSld>
+  <p:clrMapOvr>
+    <a:masterClrMapping/>
+  </p:clrMapOvr>
 </p:sld>
 </file>
 

--- a/NoSQL Exploration.pptx
+++ b/NoSQL Exploration.pptx
@@ -12,10 +12,14 @@
     <p:sldId id="260" r:id="rId6"/>
     <p:sldId id="261" r:id="rId7"/>
     <p:sldId id="262" r:id="rId8"/>
-    <p:sldId id="263" r:id="rId9"/>
-    <p:sldId id="264" r:id="rId10"/>
-    <p:sldId id="265" r:id="rId11"/>
-    <p:sldId id="266" r:id="rId12"/>
+    <p:sldId id="269" r:id="rId9"/>
+    <p:sldId id="270" r:id="rId10"/>
+    <p:sldId id="267" r:id="rId11"/>
+    <p:sldId id="268" r:id="rId12"/>
+    <p:sldId id="263" r:id="rId13"/>
+    <p:sldId id="264" r:id="rId14"/>
+    <p:sldId id="265" r:id="rId15"/>
+    <p:sldId id="266" r:id="rId16"/>
   </p:sldIdLst>
   <p:sldSz cx="9144000" cy="6858000" type="screen4x3"/>
   <p:notesSz cx="6858000" cy="9144000"/>
@@ -3233,6 +3237,363 @@
           <a:bodyPr/>
           <a:lstStyle/>
           <a:p>
+            <a:endParaRPr lang="en-US"/>
+          </a:p>
+        </p:txBody>
+      </p:sp>
+      <p:pic>
+        <p:nvPicPr>
+          <p:cNvPr id="4" name="Content Placeholder 3" descr="226 project2.1.png"/>
+          <p:cNvPicPr>
+            <a:picLocks noGrp="1" noChangeAspect="1"/>
+          </p:cNvPicPr>
+          <p:nvPr>
+            <p:ph idx="1"/>
+          </p:nvPr>
+        </p:nvPicPr>
+        <p:blipFill>
+          <a:blip r:embed="rId2">
+            <a:extLst>
+              <a:ext uri="{28A0092B-C50C-407E-A947-70E740481C1C}">
+                <a14:useLocalDpi xmlns:a14="http://schemas.microsoft.com/office/drawing/2010/main" val="0"/>
+              </a:ext>
+            </a:extLst>
+          </a:blip>
+          <a:srcRect l="-13281" r="-13281"/>
+          <a:stretch>
+            <a:fillRect/>
+          </a:stretch>
+        </p:blipFill>
+        <p:spPr>
+          <a:xfrm>
+            <a:off x="533400" y="1371600"/>
+            <a:ext cx="8229600" cy="4876800"/>
+          </a:xfrm>
+        </p:spPr>
+      </p:pic>
+    </p:spTree>
+    <p:extLst>
+      <p:ext uri="{BB962C8B-B14F-4D97-AF65-F5344CB8AC3E}">
+        <p14:creationId xmlns:p14="http://schemas.microsoft.com/office/powerpoint/2010/main" val="1897500546"/>
+      </p:ext>
+    </p:extLst>
+  </p:cSld>
+  <p:clrMapOvr>
+    <a:masterClrMapping/>
+  </p:clrMapOvr>
+</p:sld>
+</file>
+
+<file path=ppt/slides/slide11.xml><?xml version="1.0" encoding="utf-8"?>
+<p:sld xmlns:a="http://schemas.openxmlformats.org/drawingml/2006/main" xmlns:r="http://schemas.openxmlformats.org/officeDocument/2006/relationships" xmlns:p="http://schemas.openxmlformats.org/presentationml/2006/main">
+  <p:cSld>
+    <p:spTree>
+      <p:nvGrpSpPr>
+        <p:cNvPr id="1" name=""/>
+        <p:cNvGrpSpPr/>
+        <p:nvPr/>
+      </p:nvGrpSpPr>
+      <p:grpSpPr>
+        <a:xfrm>
+          <a:off x="0" y="0"/>
+          <a:ext cx="0" cy="0"/>
+          <a:chOff x="0" y="0"/>
+          <a:chExt cx="0" cy="0"/>
+        </a:xfrm>
+      </p:grpSpPr>
+      <p:sp>
+        <p:nvSpPr>
+          <p:cNvPr id="2" name="Title 1"/>
+          <p:cNvSpPr>
+            <a:spLocks noGrp="1"/>
+          </p:cNvSpPr>
+          <p:nvPr>
+            <p:ph type="title"/>
+          </p:nvPr>
+        </p:nvSpPr>
+        <p:spPr/>
+        <p:txBody>
+          <a:bodyPr/>
+          <a:lstStyle/>
+          <a:p>
+            <a:endParaRPr lang="en-US"/>
+          </a:p>
+        </p:txBody>
+      </p:sp>
+      <p:pic>
+        <p:nvPicPr>
+          <p:cNvPr id="4" name="Content Placeholder 3" descr="226 project2.2.png"/>
+          <p:cNvPicPr>
+            <a:picLocks noGrp="1" noChangeAspect="1"/>
+          </p:cNvPicPr>
+          <p:nvPr>
+            <p:ph idx="1"/>
+          </p:nvPr>
+        </p:nvPicPr>
+        <p:blipFill>
+          <a:blip r:embed="rId2">
+            <a:extLst>
+              <a:ext uri="{28A0092B-C50C-407E-A947-70E740481C1C}">
+                <a14:useLocalDpi xmlns:a14="http://schemas.microsoft.com/office/drawing/2010/main" val="0"/>
+              </a:ext>
+            </a:extLst>
+          </a:blip>
+          <a:srcRect l="-18187" r="-18187"/>
+          <a:stretch>
+            <a:fillRect/>
+          </a:stretch>
+        </p:blipFill>
+        <p:spPr/>
+      </p:pic>
+    </p:spTree>
+    <p:extLst>
+      <p:ext uri="{BB962C8B-B14F-4D97-AF65-F5344CB8AC3E}">
+        <p14:creationId xmlns:p14="http://schemas.microsoft.com/office/powerpoint/2010/main" val="1315754628"/>
+      </p:ext>
+    </p:extLst>
+  </p:cSld>
+  <p:clrMapOvr>
+    <a:masterClrMapping/>
+  </p:clrMapOvr>
+</p:sld>
+</file>
+
+<file path=ppt/slides/slide12.xml><?xml version="1.0" encoding="utf-8"?>
+<p:sld xmlns:a="http://schemas.openxmlformats.org/drawingml/2006/main" xmlns:r="http://schemas.openxmlformats.org/officeDocument/2006/relationships" xmlns:p="http://schemas.openxmlformats.org/presentationml/2006/main">
+  <p:cSld>
+    <p:spTree>
+      <p:nvGrpSpPr>
+        <p:cNvPr id="1" name=""/>
+        <p:cNvGrpSpPr/>
+        <p:nvPr/>
+      </p:nvGrpSpPr>
+      <p:grpSpPr>
+        <a:xfrm>
+          <a:off x="0" y="0"/>
+          <a:ext cx="0" cy="0"/>
+          <a:chOff x="0" y="0"/>
+          <a:chExt cx="0" cy="0"/>
+        </a:xfrm>
+      </p:grpSpPr>
+      <p:sp>
+        <p:nvSpPr>
+          <p:cNvPr id="2" name="Title 1"/>
+          <p:cNvSpPr>
+            <a:spLocks noGrp="1"/>
+          </p:cNvSpPr>
+          <p:nvPr>
+            <p:ph type="title"/>
+          </p:nvPr>
+        </p:nvSpPr>
+        <p:spPr/>
+        <p:txBody>
+          <a:bodyPr/>
+          <a:lstStyle/>
+          <a:p>
+            <a:r>
+              <a:rPr lang="en-US" dirty="0" err="1" smtClean="0"/>
+              <a:t>GitHub</a:t>
+            </a:r>
+            <a:r>
+              <a:rPr lang="en-US" dirty="0" smtClean="0"/>
+              <a:t> Top Ten repositories</a:t>
+            </a:r>
+            <a:endParaRPr lang="en-US" dirty="0"/>
+          </a:p>
+        </p:txBody>
+      </p:sp>
+      <p:sp>
+        <p:nvSpPr>
+          <p:cNvPr id="3" name="Content Placeholder 2"/>
+          <p:cNvSpPr>
+            <a:spLocks noGrp="1"/>
+          </p:cNvSpPr>
+          <p:nvPr>
+            <p:ph idx="1"/>
+          </p:nvPr>
+        </p:nvSpPr>
+        <p:spPr/>
+        <p:txBody>
+          <a:bodyPr/>
+          <a:lstStyle/>
+          <a:p>
+            <a:r>
+              <a:rPr lang="en-US" dirty="0" smtClean="0"/>
+              <a:t>Analyzed full one year data to find open and closed issues</a:t>
+            </a:r>
+          </a:p>
+          <a:p>
+            <a:r>
+              <a:rPr lang="en-US" dirty="0" smtClean="0"/>
+              <a:t>Data Set Publishing Language (DSPL) format used for generating graphs on </a:t>
+            </a:r>
+            <a:r>
+              <a:rPr lang="en-US" dirty="0" err="1" smtClean="0"/>
+              <a:t>google.com</a:t>
+            </a:r>
+            <a:endParaRPr lang="en-US" dirty="0" smtClean="0"/>
+          </a:p>
+          <a:p>
+            <a:pPr lvl="1"/>
+            <a:r>
+              <a:rPr lang="en-US" dirty="0"/>
+              <a:t>http://</a:t>
+            </a:r>
+            <a:r>
+              <a:rPr lang="en-US" dirty="0" err="1"/>
+              <a:t>www.google.com</a:t>
+            </a:r>
+            <a:r>
+              <a:rPr lang="en-US" dirty="0"/>
+              <a:t>/</a:t>
+            </a:r>
+            <a:r>
+              <a:rPr lang="en-US" dirty="0" err="1"/>
+              <a:t>publicdata</a:t>
+            </a:r>
+            <a:r>
+              <a:rPr lang="en-US" dirty="0"/>
+              <a:t>/directory</a:t>
+            </a:r>
+          </a:p>
+          <a:p>
+            <a:pPr lvl="1"/>
+            <a:endParaRPr lang="en-US" dirty="0" smtClean="0"/>
+          </a:p>
+          <a:p>
+            <a:r>
+              <a:rPr lang="en-US" dirty="0" smtClean="0"/>
+              <a:t>Here are the findings:</a:t>
+            </a:r>
+          </a:p>
+          <a:p>
+            <a:endParaRPr lang="en-US" dirty="0"/>
+          </a:p>
+        </p:txBody>
+      </p:sp>
+    </p:spTree>
+    <p:extLst>
+      <p:ext uri="{BB962C8B-B14F-4D97-AF65-F5344CB8AC3E}">
+        <p14:creationId xmlns:p14="http://schemas.microsoft.com/office/powerpoint/2010/main" val="258075479"/>
+      </p:ext>
+    </p:extLst>
+  </p:cSld>
+  <p:clrMapOvr>
+    <a:masterClrMapping/>
+  </p:clrMapOvr>
+</p:sld>
+</file>
+
+<file path=ppt/slides/slide13.xml><?xml version="1.0" encoding="utf-8"?>
+<p:sld xmlns:a="http://schemas.openxmlformats.org/drawingml/2006/main" xmlns:r="http://schemas.openxmlformats.org/officeDocument/2006/relationships" xmlns:p="http://schemas.openxmlformats.org/presentationml/2006/main">
+  <p:cSld>
+    <p:spTree>
+      <p:nvGrpSpPr>
+        <p:cNvPr id="1" name=""/>
+        <p:cNvGrpSpPr/>
+        <p:nvPr/>
+      </p:nvGrpSpPr>
+      <p:grpSpPr>
+        <a:xfrm>
+          <a:off x="0" y="0"/>
+          <a:ext cx="0" cy="0"/>
+          <a:chOff x="0" y="0"/>
+          <a:chExt cx="0" cy="0"/>
+        </a:xfrm>
+      </p:grpSpPr>
+      <p:sp>
+        <p:nvSpPr>
+          <p:cNvPr id="2" name="Title 1"/>
+          <p:cNvSpPr>
+            <a:spLocks noGrp="1"/>
+          </p:cNvSpPr>
+          <p:nvPr>
+            <p:ph type="title"/>
+          </p:nvPr>
+        </p:nvSpPr>
+        <p:spPr/>
+        <p:txBody>
+          <a:bodyPr/>
+          <a:lstStyle/>
+          <a:p>
+            <a:r>
+              <a:rPr lang="en-US" dirty="0" smtClean="0"/>
+              <a:t>Closed Issues</a:t>
+            </a:r>
+            <a:endParaRPr lang="en-US" dirty="0"/>
+          </a:p>
+        </p:txBody>
+      </p:sp>
+      <p:pic>
+        <p:nvPicPr>
+          <p:cNvPr id="4" name="Content Placeholder 3" descr="Screen Shot 2013-12-04 at 12.54.30 PM.png"/>
+          <p:cNvPicPr>
+            <a:picLocks noGrp="1" noChangeAspect="1"/>
+          </p:cNvPicPr>
+          <p:nvPr>
+            <p:ph idx="1"/>
+          </p:nvPr>
+        </p:nvPicPr>
+        <p:blipFill>
+          <a:blip r:embed="rId2">
+            <a:extLst>
+              <a:ext uri="{28A0092B-C50C-407E-A947-70E740481C1C}">
+                <a14:useLocalDpi xmlns:a14="http://schemas.microsoft.com/office/drawing/2010/main" val="0"/>
+              </a:ext>
+            </a:extLst>
+          </a:blip>
+          <a:srcRect l="643" r="643"/>
+          <a:stretch>
+            <a:fillRect/>
+          </a:stretch>
+        </p:blipFill>
+        <p:spPr/>
+      </p:pic>
+    </p:spTree>
+    <p:extLst>
+      <p:ext uri="{BB962C8B-B14F-4D97-AF65-F5344CB8AC3E}">
+        <p14:creationId xmlns:p14="http://schemas.microsoft.com/office/powerpoint/2010/main" val="1350935544"/>
+      </p:ext>
+    </p:extLst>
+  </p:cSld>
+  <p:clrMapOvr>
+    <a:masterClrMapping/>
+  </p:clrMapOvr>
+</p:sld>
+</file>
+
+<file path=ppt/slides/slide14.xml><?xml version="1.0" encoding="utf-8"?>
+<p:sld xmlns:a="http://schemas.openxmlformats.org/drawingml/2006/main" xmlns:r="http://schemas.openxmlformats.org/officeDocument/2006/relationships" xmlns:p="http://schemas.openxmlformats.org/presentationml/2006/main">
+  <p:cSld>
+    <p:spTree>
+      <p:nvGrpSpPr>
+        <p:cNvPr id="1" name=""/>
+        <p:cNvGrpSpPr/>
+        <p:nvPr/>
+      </p:nvGrpSpPr>
+      <p:grpSpPr>
+        <a:xfrm>
+          <a:off x="0" y="0"/>
+          <a:ext cx="0" cy="0"/>
+          <a:chOff x="0" y="0"/>
+          <a:chExt cx="0" cy="0"/>
+        </a:xfrm>
+      </p:grpSpPr>
+      <p:sp>
+        <p:nvSpPr>
+          <p:cNvPr id="2" name="Title 1"/>
+          <p:cNvSpPr>
+            <a:spLocks noGrp="1"/>
+          </p:cNvSpPr>
+          <p:nvPr>
+            <p:ph type="title"/>
+          </p:nvPr>
+        </p:nvSpPr>
+        <p:spPr/>
+        <p:txBody>
+          <a:bodyPr/>
+          <a:lstStyle/>
+          <a:p>
             <a:r>
               <a:rPr lang="en-US" dirty="0" smtClean="0"/>
               <a:t>Open Issues</a:t>
@@ -3279,7 +3640,7 @@
 </p:sld>
 </file>
 
-<file path=ppt/slides/slide11.xml><?xml version="1.0" encoding="utf-8"?>
+<file path=ppt/slides/slide15.xml><?xml version="1.0" encoding="utf-8"?>
 <p:sld xmlns:a="http://schemas.openxmlformats.org/drawingml/2006/main" xmlns:r="http://schemas.openxmlformats.org/officeDocument/2006/relationships" xmlns:p="http://schemas.openxmlformats.org/presentationml/2006/main">
   <p:cSld>
     <p:spTree>
@@ -4088,82 +4449,60 @@
           <a:lstStyle/>
           <a:p>
             <a:r>
+              <a:rPr lang="en-US" dirty="0" smtClean="0"/>
+              <a:t>Neo4j</a:t>
+            </a:r>
+            <a:endParaRPr lang="en-US" dirty="0"/>
+          </a:p>
+        </p:txBody>
+      </p:sp>
+      <p:sp>
+        <p:nvSpPr>
+          <p:cNvPr id="3" name="Content Placeholder 2"/>
+          <p:cNvSpPr>
+            <a:spLocks noGrp="1"/>
+          </p:cNvSpPr>
+          <p:nvPr>
+            <p:ph idx="1"/>
+          </p:nvPr>
+        </p:nvSpPr>
+        <p:spPr/>
+        <p:txBody>
+          <a:bodyPr/>
+          <a:lstStyle/>
+          <a:p>
+            <a:r>
+              <a:rPr lang="en-US" dirty="0" smtClean="0"/>
+              <a:t>Leading persistent graph store (OSS)</a:t>
+            </a:r>
+          </a:p>
+          <a:p>
+            <a:r>
+              <a:rPr lang="en-US" dirty="0" smtClean="0"/>
+              <a:t>Nodes and Relationships</a:t>
+            </a:r>
+          </a:p>
+          <a:p>
+            <a:r>
+              <a:rPr lang="en-US" dirty="0" smtClean="0"/>
+              <a:t>Indexes</a:t>
+            </a:r>
+          </a:p>
+          <a:p>
+            <a:r>
               <a:rPr lang="en-US" dirty="0" err="1" smtClean="0"/>
-              <a:t>GitHub</a:t>
+              <a:t>ReSTful</a:t>
             </a:r>
             <a:r>
               <a:rPr lang="en-US" dirty="0" smtClean="0"/>
-              <a:t> Top Ten repositories</a:t>
-            </a:r>
-            <a:endParaRPr lang="en-US" dirty="0"/>
-          </a:p>
-        </p:txBody>
-      </p:sp>
-      <p:sp>
-        <p:nvSpPr>
-          <p:cNvPr id="3" name="Content Placeholder 2"/>
-          <p:cNvSpPr>
-            <a:spLocks noGrp="1"/>
-          </p:cNvSpPr>
-          <p:nvPr>
-            <p:ph idx="1"/>
-          </p:nvPr>
-        </p:nvSpPr>
-        <p:spPr/>
-        <p:txBody>
-          <a:bodyPr/>
-          <a:lstStyle/>
+              <a:t> API</a:t>
+            </a:r>
+          </a:p>
           <a:p>
             <a:r>
               <a:rPr lang="en-US" dirty="0" smtClean="0"/>
-              <a:t>Analyzed full one year data to find open and closed issues</a:t>
-            </a:r>
-          </a:p>
-          <a:p>
-            <a:r>
-              <a:rPr lang="en-US" dirty="0" smtClean="0"/>
-              <a:t>Data Set Publishing Language (DSPL) format used for generating graphs on </a:t>
-            </a:r>
-            <a:r>
-              <a:rPr lang="en-US" dirty="0" err="1" smtClean="0"/>
-              <a:t>google.com</a:t>
-            </a:r>
-            <a:endParaRPr lang="en-US" dirty="0" smtClean="0"/>
-          </a:p>
-          <a:p>
-            <a:pPr lvl="1"/>
-            <a:r>
-              <a:rPr lang="en-US" dirty="0"/>
-              <a:t>http://</a:t>
-            </a:r>
-            <a:r>
-              <a:rPr lang="en-US" dirty="0" err="1"/>
-              <a:t>www.google.com</a:t>
-            </a:r>
-            <a:r>
-              <a:rPr lang="en-US" dirty="0"/>
-              <a:t>/</a:t>
-            </a:r>
-            <a:r>
-              <a:rPr lang="en-US" dirty="0" err="1"/>
-              <a:t>publicdata</a:t>
-            </a:r>
-            <a:r>
-              <a:rPr lang="en-US" dirty="0"/>
-              <a:t>/directory</a:t>
-            </a:r>
-          </a:p>
-          <a:p>
-            <a:pPr lvl="1"/>
-            <a:endParaRPr lang="en-US" dirty="0" smtClean="0"/>
-          </a:p>
-          <a:p>
-            <a:r>
-              <a:rPr lang="en-US" dirty="0" smtClean="0"/>
-              <a:t>Here are the findings:</a:t>
-            </a:r>
-          </a:p>
-          <a:p>
+              <a:t>Runs on JVM (written in Java)</a:t>
+            </a:r>
             <a:endParaRPr lang="en-US" dirty="0"/>
           </a:p>
         </p:txBody>
@@ -4171,7 +4510,7 @@
     </p:spTree>
     <p:extLst>
       <p:ext uri="{BB962C8B-B14F-4D97-AF65-F5344CB8AC3E}">
-        <p14:creationId xmlns:p14="http://schemas.microsoft.com/office/powerpoint/2010/main" val="258075479"/>
+        <p14:creationId xmlns:p14="http://schemas.microsoft.com/office/powerpoint/2010/main" val="2854974274"/>
       </p:ext>
     </p:extLst>
   </p:cSld>
@@ -4214,42 +4553,52 @@
           <a:lstStyle/>
           <a:p>
             <a:r>
+              <a:rPr lang="en-US" dirty="0" err="1" smtClean="0"/>
+              <a:t>Github</a:t>
+            </a:r>
+            <a:endParaRPr lang="en-US" dirty="0"/>
+          </a:p>
+        </p:txBody>
+      </p:sp>
+      <p:sp>
+        <p:nvSpPr>
+          <p:cNvPr id="3" name="Content Placeholder 2"/>
+          <p:cNvSpPr>
+            <a:spLocks noGrp="1"/>
+          </p:cNvSpPr>
+          <p:nvPr>
+            <p:ph idx="1"/>
+          </p:nvPr>
+        </p:nvSpPr>
+        <p:spPr/>
+        <p:txBody>
+          <a:bodyPr/>
+          <a:lstStyle/>
+          <a:p>
+            <a:r>
               <a:rPr lang="en-US" dirty="0" smtClean="0"/>
-              <a:t>Closed Issues</a:t>
+              <a:t>Leading social coding platform.</a:t>
+            </a:r>
+          </a:p>
+          <a:p>
+            <a:r>
+              <a:rPr lang="en-US" dirty="0" smtClean="0"/>
+              <a:t>Events published for all public user actions.</a:t>
+            </a:r>
+          </a:p>
+          <a:p>
+            <a:r>
+              <a:rPr lang="en-US" dirty="0" smtClean="0"/>
+              <a:t>No “people you may be interested in” feature.</a:t>
             </a:r>
             <a:endParaRPr lang="en-US" dirty="0"/>
           </a:p>
         </p:txBody>
       </p:sp>
-      <p:pic>
-        <p:nvPicPr>
-          <p:cNvPr id="4" name="Content Placeholder 3" descr="Screen Shot 2013-12-04 at 12.54.30 PM.png"/>
-          <p:cNvPicPr>
-            <a:picLocks noGrp="1" noChangeAspect="1"/>
-          </p:cNvPicPr>
-          <p:nvPr>
-            <p:ph idx="1"/>
-          </p:nvPr>
-        </p:nvPicPr>
-        <p:blipFill>
-          <a:blip r:embed="rId2">
-            <a:extLst>
-              <a:ext uri="{28A0092B-C50C-407E-A947-70E740481C1C}">
-                <a14:useLocalDpi xmlns:a14="http://schemas.microsoft.com/office/drawing/2010/main" val="0"/>
-              </a:ext>
-            </a:extLst>
-          </a:blip>
-          <a:srcRect l="643" r="643"/>
-          <a:stretch>
-            <a:fillRect/>
-          </a:stretch>
-        </p:blipFill>
-        <p:spPr/>
-      </p:pic>
     </p:spTree>
     <p:extLst>
       <p:ext uri="{BB962C8B-B14F-4D97-AF65-F5344CB8AC3E}">
-        <p14:creationId xmlns:p14="http://schemas.microsoft.com/office/powerpoint/2010/main" val="1350935544"/>
+        <p14:creationId xmlns:p14="http://schemas.microsoft.com/office/powerpoint/2010/main" val="1693242896"/>
       </p:ext>
     </p:extLst>
   </p:cSld>

--- a/NoSQL Exploration.pptx
+++ b/NoSQL Exploration.pptx
@@ -3152,12 +3152,8 @@
           <a:lstStyle/>
           <a:p>
             <a:r>
-              <a:rPr lang="en-US" dirty="0" err="1" smtClean="0"/>
-              <a:t>Junai</a:t>
-            </a:r>
-            <a:r>
-              <a:rPr lang="en-US" dirty="0" smtClean="0"/>
-              <a:t> </a:t>
+              <a:rPr lang="en-US" smtClean="0"/>
+              <a:t>Junaid </a:t>
             </a:r>
             <a:r>
               <a:rPr lang="en-US" dirty="0" err="1" smtClean="0"/>
